--- a/ws6.pptx
+++ b/ws6.pptx
@@ -1,6 +1,6 @@
 
 <file path=ppt/presentation.xml><?xml version="1.0" encoding="utf-8"?>
-<p:presentation xmlns:a="http://schemas.openxmlformats.org/drawingml/2006/main" xmlns:r="http://schemas.openxmlformats.org/officeDocument/2006/relationships" xmlns:p="http://schemas.openxmlformats.org/presentationml/2006/main" saveSubsetFonts="1" autoCompressPictures="0">
+<p:presentation xmlns:a="http://schemas.openxmlformats.org/drawingml/2006/main" xmlns:r="http://schemas.openxmlformats.org/officeDocument/2006/relationships" xmlns:p="http://schemas.openxmlformats.org/presentationml/2006/main" compatMode="1" saveSubsetFonts="1" autoCompressPictures="0">
   <p:sldMasterIdLst>
     <p:sldMasterId id="2147483660" r:id="rId1"/>
   </p:sldMasterIdLst>
@@ -2814,7 +2814,7 @@
             <p:ph idx="1"/>
             <p:extLst>
               <p:ext uri="{D42A27DB-BD31-4B8C-83A1-F6EECF244321}">
-                <p14:modId xmlns:p14="http://schemas.microsoft.com/office/powerpoint/2010/main" val="3547728905"/>
+                <p14:modId xmlns:p14="http://schemas.microsoft.com/office/powerpoint/2010/main" val="2037051468"/>
               </p:ext>
             </p:extLst>
           </p:nvPr>
@@ -2978,11 +2978,26 @@
                           <a:latin typeface="Courier"/>
                           <a:cs typeface="Courier"/>
                         </a:rPr>
-                        <a:t>ws6.ppt</a:t>
+                        <a:t>ws6.</a:t>
+                      </a:r>
+                      <a:r>
+                        <a:rPr lang="en-US" sz="2000" b="0" kern="1200" baseline="0" dirty="0" smtClean="0">
+                          <a:solidFill>
+                            <a:srgbClr val="000090"/>
+                          </a:solidFill>
+                          <a:latin typeface="Courier"/>
+                          <a:ea typeface="+mn-ea"/>
+                          <a:cs typeface="Courier"/>
+                        </a:rPr>
+                        <a:t>pptx</a:t>
                       </a:r>
                       <a:r>
                         <a:rPr lang="en-US" sz="2000" b="0" baseline="0" dirty="0" smtClean="0"/>
-                        <a:t>x from </a:t>
+                        <a:t> </a:t>
+                      </a:r>
+                      <a:r>
+                        <a:rPr lang="en-US" sz="2000" b="0" baseline="0" dirty="0" smtClean="0"/>
+                        <a:t>from </a:t>
                       </a:r>
                       <a:r>
                         <a:rPr lang="en-US" sz="2000" b="0" kern="1200" baseline="0" dirty="0" err="1" smtClean="0">
@@ -3034,7 +3049,11 @@
                       </a:pPr>
                       <a:r>
                         <a:rPr lang="en-US" sz="2000" b="0" baseline="0" dirty="0" smtClean="0"/>
-                        <a:t>   - open </a:t>
+                        <a:t>   - </a:t>
+                      </a:r>
+                      <a:r>
+                        <a:rPr lang="en-US" sz="2000" b="0" baseline="0" dirty="0" smtClean="0"/>
+                        <a:t>(optional) open </a:t>
                       </a:r>
                       <a:r>
                         <a:rPr lang="en-US" sz="2000" b="0" kern="1200" baseline="0" dirty="0" smtClean="0">
@@ -6631,7 +6650,7 @@
           <p:nvPr>
             <p:extLst>
               <p:ext uri="{D42A27DB-BD31-4B8C-83A1-F6EECF244321}">
-                <p14:modId xmlns:p14="http://schemas.microsoft.com/office/powerpoint/2010/main" val="177892099"/>
+                <p14:modId xmlns:p14="http://schemas.microsoft.com/office/powerpoint/2010/main" val="1694091837"/>
               </p:ext>
             </p:extLst>
           </p:nvPr>
@@ -7052,6 +7071,10 @@
                     <a:lstStyle/>
                     <a:p>
                       <a:pPr algn="ctr"/>
+                      <a:r>
+                        <a:rPr lang="en-US" dirty="0" smtClean="0"/>
+                        <a:t>E</a:t>
+                      </a:r>
                       <a:endParaRPr lang="en-US" dirty="0"/>
                     </a:p>
                   </a:txBody>
@@ -7090,6 +7113,10 @@
                     <a:lstStyle/>
                     <a:p>
                       <a:pPr algn="ctr"/>
+                      <a:r>
+                        <a:rPr lang="en-US" b="1" dirty="0" smtClean="0"/>
+                        <a:t>9,E</a:t>
+                      </a:r>
                       <a:endParaRPr lang="en-US" b="1" dirty="0"/>
                     </a:p>
                   </a:txBody>
@@ -7144,6 +7171,10 @@
                         <a:tabLst/>
                         <a:defRPr/>
                       </a:pPr>
+                      <a:r>
+                        <a:rPr lang="en-US" b="1" dirty="0" smtClean="0"/>
+                        <a:t>7,E</a:t>
+                      </a:r>
                       <a:endParaRPr lang="en-US" b="1" dirty="0" smtClean="0"/>
                     </a:p>
                   </a:txBody>
@@ -7225,6 +7256,10 @@
                         <a:tabLst/>
                         <a:defRPr/>
                       </a:pPr>
+                      <a:r>
+                        <a:rPr lang="en-US" b="1" dirty="0" smtClean="0"/>
+                        <a:t>6,E</a:t>
+                      </a:r>
                       <a:endParaRPr lang="en-US" b="1" dirty="0" smtClean="0"/>
                     </a:p>
                   </a:txBody>
@@ -7309,14 +7344,22 @@
               <a:rPr lang="en-US" sz="2400" b="0" dirty="0" smtClean="0"/>
             </a:br>
             <a:r>
+              <a:rPr lang="en-US" sz="2400" b="0" dirty="0" smtClean="0"/>
+              <a:t> </a:t>
+            </a:r>
+            <a:r>
+              <a:rPr lang="en-US" sz="2400" b="0" dirty="0"/>
+              <a:t> </a:t>
+            </a:r>
+            <a:r>
+              <a:rPr lang="en-US" sz="2400" b="0" dirty="0" smtClean="0"/>
+              <a:t> A </a:t>
+            </a:r>
+            <a:r>
               <a:rPr lang="en-US" sz="2400" b="0" dirty="0" smtClean="0">
-                <a:solidFill>
-                  <a:schemeClr val="bg2">
-                    <a:lumMod val="90000"/>
-                  </a:schemeClr>
-                </a:solidFill>
+                <a:sym typeface="Wingdings"/>
               </a:rPr>
-              <a:t>How about from A to F?</a:t>
+              <a:t> D   E</a:t>
             </a:r>
             <a:endParaRPr lang="en-US" sz="2400" b="0" dirty="0">
               <a:solidFill>
@@ -7446,7 +7489,7 @@
           <p:nvPr>
             <p:extLst>
               <p:ext uri="{D42A27DB-BD31-4B8C-83A1-F6EECF244321}">
-                <p14:modId xmlns:p14="http://schemas.microsoft.com/office/powerpoint/2010/main" val="1476750734"/>
+                <p14:modId xmlns:p14="http://schemas.microsoft.com/office/powerpoint/2010/main" val="3423299872"/>
               </p:ext>
             </p:extLst>
           </p:nvPr>
@@ -8095,6 +8138,10 @@
                     <a:lstStyle/>
                     <a:p>
                       <a:pPr algn="ctr"/>
+                      <a:r>
+                        <a:rPr lang="en-US" dirty="0" smtClean="0"/>
+                        <a:t>G(6)</a:t>
+                      </a:r>
                       <a:endParaRPr lang="en-US" dirty="0"/>
                     </a:p>
                   </a:txBody>
@@ -8133,6 +8180,10 @@
                     <a:lstStyle/>
                     <a:p>
                       <a:pPr algn="ctr"/>
+                      <a:r>
+                        <a:rPr lang="en-US" b="1" dirty="0" smtClean="0"/>
+                        <a:t>9/E</a:t>
+                      </a:r>
                       <a:endParaRPr lang="en-US" b="1" dirty="0"/>
                     </a:p>
                   </a:txBody>
@@ -8187,6 +8238,10 @@
                         <a:tabLst/>
                         <a:defRPr/>
                       </a:pPr>
+                      <a:r>
+                        <a:rPr lang="en-US" b="1" dirty="0" smtClean="0"/>
+                        <a:t>7/E</a:t>
+                      </a:r>
                       <a:endParaRPr lang="en-US" b="1" dirty="0" smtClean="0"/>
                     </a:p>
                   </a:txBody>
@@ -8241,6 +8296,10 @@
                         <a:tabLst/>
                         <a:defRPr/>
                       </a:pPr>
+                      <a:r>
+                        <a:rPr lang="en-US" b="1" dirty="0" smtClean="0"/>
+                        <a:t>7,G</a:t>
+                      </a:r>
                       <a:endParaRPr lang="en-US" b="1" dirty="0" smtClean="0"/>
                     </a:p>
                   </a:txBody>
@@ -8296,7 +8355,88 @@
                     <a:lstStyle/>
                     <a:p>
                       <a:pPr algn="ctr"/>
+                      <a:r>
+                        <a:rPr lang="en-US" dirty="0" smtClean="0"/>
+                        <a:t>D (7)</a:t>
+                      </a:r>
                       <a:endParaRPr lang="en-US" dirty="0"/>
+                    </a:p>
+                  </a:txBody>
+                  <a:tcPr/>
+                </a:tc>
+                <a:tc>
+                  <a:txBody>
+                    <a:bodyPr/>
+                    <a:lstStyle/>
+                    <a:p>
+                      <a:pPr marL="0" marR="0" indent="0" algn="ctr" defTabSz="914400" rtl="0" eaLnBrk="1" fontAlgn="auto" latinLnBrk="0" hangingPunct="1">
+                        <a:lnSpc>
+                          <a:spcPct val="100000"/>
+                        </a:lnSpc>
+                        <a:spcBef>
+                          <a:spcPts val="0"/>
+                        </a:spcBef>
+                        <a:spcAft>
+                          <a:spcPts val="0"/>
+                        </a:spcAft>
+                        <a:buClrTx/>
+                        <a:buSzTx/>
+                        <a:buFontTx/>
+                        <a:buNone/>
+                        <a:tabLst/>
+                        <a:defRPr/>
+                      </a:pPr>
+                      <a:r>
+                        <a:rPr lang="en-US" b="1" dirty="0" smtClean="0"/>
+                        <a:t>8,D</a:t>
+                      </a:r>
+                      <a:endParaRPr lang="en-US" b="1" dirty="0" smtClean="0"/>
+                    </a:p>
+                  </a:txBody>
+                  <a:tcPr/>
+                </a:tc>
+                <a:tc>
+                  <a:txBody>
+                    <a:bodyPr/>
+                    <a:lstStyle/>
+                    <a:p>
+                      <a:pPr algn="ctr"/>
+                      <a:r>
+                        <a:rPr lang="en-US" b="1" dirty="0" smtClean="0"/>
+                        <a:t>9/E</a:t>
+                      </a:r>
+                      <a:endParaRPr lang="en-US" b="1" dirty="0"/>
+                    </a:p>
+                  </a:txBody>
+                  <a:tcPr/>
+                </a:tc>
+                <a:tc>
+                  <a:txBody>
+                    <a:bodyPr/>
+                    <a:lstStyle/>
+                    <a:p>
+                      <a:pPr marL="0" marR="0" indent="0" algn="ctr" defTabSz="914400" rtl="0" eaLnBrk="1" fontAlgn="auto" latinLnBrk="0" hangingPunct="1">
+                        <a:lnSpc>
+                          <a:spcPct val="100000"/>
+                        </a:lnSpc>
+                        <a:spcBef>
+                          <a:spcPts val="0"/>
+                        </a:spcBef>
+                        <a:spcAft>
+                          <a:spcPts val="0"/>
+                        </a:spcAft>
+                        <a:buClrTx/>
+                        <a:buSzTx/>
+                        <a:buFontTx/>
+                        <a:buNone/>
+                        <a:tabLst/>
+                        <a:defRPr/>
+                      </a:pPr>
+                      <a:r>
+                        <a:rPr lang="en-US" dirty="0" smtClean="0"/>
+                        <a:t>9,D</a:t>
+                      </a:r>
+                      <a:endParaRPr lang="en-US" dirty="0" smtClean="0"/>
                     </a:p>
                   </a:txBody>
                   <a:tcPr/>
@@ -8333,44 +8473,6 @@
                     <a:bodyPr/>
                     <a:lstStyle/>
                     <a:p>
-                      <a:pPr algn="ctr"/>
-                      <a:endParaRPr lang="en-US" b="1" dirty="0"/>
-                    </a:p>
-                  </a:txBody>
-                  <a:tcPr/>
-                </a:tc>
-                <a:tc>
-                  <a:txBody>
-                    <a:bodyPr/>
-                    <a:lstStyle/>
-                    <a:p>
-                      <a:pPr marL="0" marR="0" indent="0" algn="ctr" defTabSz="914400" rtl="0" eaLnBrk="1" fontAlgn="auto" latinLnBrk="0" hangingPunct="1">
-                        <a:lnSpc>
-                          <a:spcPct val="100000"/>
-                        </a:lnSpc>
-                        <a:spcBef>
-                          <a:spcPts val="0"/>
-                        </a:spcBef>
-                        <a:spcAft>
-                          <a:spcPts val="0"/>
-                        </a:spcAft>
-                        <a:buClrTx/>
-                        <a:buSzTx/>
-                        <a:buFontTx/>
-                        <a:buNone/>
-                        <a:tabLst/>
-                        <a:defRPr/>
-                      </a:pPr>
-                      <a:endParaRPr lang="en-US" dirty="0" smtClean="0"/>
-                    </a:p>
-                  </a:txBody>
-                  <a:tcPr/>
-                </a:tc>
-                <a:tc>
-                  <a:txBody>
-                    <a:bodyPr/>
-                    <a:lstStyle/>
-                    <a:p>
                       <a:pPr marL="0" marR="0" indent="0" algn="ctr" defTabSz="914400" rtl="0" eaLnBrk="1" fontAlgn="auto" latinLnBrk="0" hangingPunct="1">
                         <a:lnSpc>
                           <a:spcPct val="100000"/>
@@ -8415,6 +8517,10 @@
                         <a:tabLst/>
                         <a:defRPr/>
                       </a:pPr>
+                      <a:r>
+                        <a:rPr lang="en-US" b="1" dirty="0" smtClean="0"/>
+                        <a:t>7,G</a:t>
+                      </a:r>
                       <a:endParaRPr lang="en-US" b="1" dirty="0" smtClean="0"/>
                     </a:p>
                   </a:txBody>
@@ -8447,6 +8553,115 @@
                   </a:txBody>
                   <a:tcPr/>
                 </a:tc>
+              </a:tr>
+              <a:tr h="370840">
+                <a:tc>
+                  <a:txBody>
+                    <a:bodyPr/>
+                    <a:lstStyle/>
+                    <a:p>
+                      <a:pPr algn="ctr"/>
+                      <a:r>
+                        <a:rPr lang="en-US" dirty="0" smtClean="0"/>
+                        <a:t>4</a:t>
+                      </a:r>
+                      <a:endParaRPr lang="en-US" dirty="0"/>
+                    </a:p>
+                  </a:txBody>
+                  <a:tcPr/>
+                </a:tc>
+                <a:tc>
+                  <a:txBody>
+                    <a:bodyPr/>
+                    <a:lstStyle/>
+                    <a:p>
+                      <a:pPr algn="ctr"/>
+                      <a:r>
+                        <a:rPr lang="en-US" dirty="0" smtClean="0"/>
+                        <a:t>F(7)</a:t>
+                      </a:r>
+                      <a:endParaRPr lang="en-US" dirty="0"/>
+                    </a:p>
+                  </a:txBody>
+                  <a:tcPr/>
+                </a:tc>
+                <a:tc>
+                  <a:txBody>
+                    <a:bodyPr/>
+                    <a:lstStyle/>
+                    <a:p>
+                      <a:pPr marL="0" marR="0" indent="0" algn="ctr" defTabSz="914400" rtl="0" eaLnBrk="1" fontAlgn="auto" latinLnBrk="0" hangingPunct="1">
+                        <a:lnSpc>
+                          <a:spcPct val="100000"/>
+                        </a:lnSpc>
+                        <a:spcBef>
+                          <a:spcPts val="0"/>
+                        </a:spcBef>
+                        <a:spcAft>
+                          <a:spcPts val="0"/>
+                        </a:spcAft>
+                        <a:buClrTx/>
+                        <a:buSzTx/>
+                        <a:buFontTx/>
+                        <a:buNone/>
+                        <a:tabLst/>
+                        <a:defRPr/>
+                      </a:pPr>
+                      <a:r>
+                        <a:rPr lang="en-US" b="1" dirty="0" smtClean="0"/>
+                        <a:t>8,D</a:t>
+                      </a:r>
+                      <a:endParaRPr lang="en-US" b="1" dirty="0" smtClean="0"/>
+                    </a:p>
+                  </a:txBody>
+                  <a:tcPr/>
+                </a:tc>
+                <a:tc>
+                  <a:txBody>
+                    <a:bodyPr/>
+                    <a:lstStyle/>
+                    <a:p>
+                      <a:pPr algn="ctr"/>
+                      <a:r>
+                        <a:rPr lang="en-US" b="1" dirty="0" smtClean="0"/>
+                        <a:t>9/E</a:t>
+                      </a:r>
+                      <a:endParaRPr lang="en-US" b="1" dirty="0"/>
+                    </a:p>
+                  </a:txBody>
+                  <a:tcPr/>
+                </a:tc>
+                <a:tc>
+                  <a:txBody>
+                    <a:bodyPr/>
+                    <a:lstStyle/>
+                    <a:p>
+                      <a:pPr marL="0" marR="0" indent="0" algn="ctr" defTabSz="914400" rtl="0" eaLnBrk="1" fontAlgn="auto" latinLnBrk="0" hangingPunct="1">
+                        <a:lnSpc>
+                          <a:spcPct val="100000"/>
+                        </a:lnSpc>
+                        <a:spcBef>
+                          <a:spcPts val="0"/>
+                        </a:spcBef>
+                        <a:spcAft>
+                          <a:spcPts val="0"/>
+                        </a:spcAft>
+                        <a:buClrTx/>
+                        <a:buSzTx/>
+                        <a:buFontTx/>
+                        <a:buNone/>
+                        <a:tabLst/>
+                        <a:defRPr/>
+                      </a:pPr>
+                      <a:r>
+                        <a:rPr lang="en-US" dirty="0" smtClean="0"/>
+                        <a:t>9.D</a:t>
+                      </a:r>
+                      <a:endParaRPr lang="en-US" dirty="0" smtClean="0"/>
+                    </a:p>
+                  </a:txBody>
+                  <a:tcPr/>
+                </a:tc>
                 <a:tc>
                   <a:txBody>
                     <a:bodyPr/>
@@ -8474,34 +8689,6 @@
                   </a:txBody>
                   <a:tcPr/>
                 </a:tc>
-              </a:tr>
-              <a:tr h="370840">
-                <a:tc>
-                  <a:txBody>
-                    <a:bodyPr/>
-                    <a:lstStyle/>
-                    <a:p>
-                      <a:pPr algn="ctr"/>
-                      <a:r>
-                        <a:rPr lang="en-US" dirty="0" smtClean="0"/>
-                        <a:t>4</a:t>
-                      </a:r>
-                      <a:endParaRPr lang="en-US" dirty="0"/>
-                    </a:p>
-                  </a:txBody>
-                  <a:tcPr/>
-                </a:tc>
-                <a:tc>
-                  <a:txBody>
-                    <a:bodyPr/>
-                    <a:lstStyle/>
-                    <a:p>
-                      <a:pPr algn="ctr"/>
-                      <a:endParaRPr lang="en-US" dirty="0"/>
-                    </a:p>
-                  </a:txBody>
-                  <a:tcPr/>
-                </a:tc>
                 <a:tc>
                   <a:txBody>
                     <a:bodyPr/>
@@ -8534,44 +8721,6 @@
                     <a:bodyPr/>
                     <a:lstStyle/>
                     <a:p>
-                      <a:pPr algn="ctr"/>
-                      <a:endParaRPr lang="en-US" b="1" dirty="0"/>
-                    </a:p>
-                  </a:txBody>
-                  <a:tcPr/>
-                </a:tc>
-                <a:tc>
-                  <a:txBody>
-                    <a:bodyPr/>
-                    <a:lstStyle/>
-                    <a:p>
-                      <a:pPr marL="0" marR="0" indent="0" algn="ctr" defTabSz="914400" rtl="0" eaLnBrk="1" fontAlgn="auto" latinLnBrk="0" hangingPunct="1">
-                        <a:lnSpc>
-                          <a:spcPct val="100000"/>
-                        </a:lnSpc>
-                        <a:spcBef>
-                          <a:spcPts val="0"/>
-                        </a:spcBef>
-                        <a:spcAft>
-                          <a:spcPts val="0"/>
-                        </a:spcAft>
-                        <a:buClrTx/>
-                        <a:buSzTx/>
-                        <a:buFontTx/>
-                        <a:buNone/>
-                        <a:tabLst/>
-                        <a:defRPr/>
-                      </a:pPr>
-                      <a:endParaRPr lang="en-US" dirty="0" smtClean="0"/>
-                    </a:p>
-                  </a:txBody>
-                  <a:tcPr/>
-                </a:tc>
-                <a:tc>
-                  <a:txBody>
-                    <a:bodyPr/>
-                    <a:lstStyle/>
-                    <a:p>
                       <a:pPr marL="0" marR="0" indent="0" algn="ctr" defTabSz="914400" rtl="0" eaLnBrk="1" fontAlgn="auto" latinLnBrk="0" hangingPunct="1">
                         <a:lnSpc>
                           <a:spcPct val="100000"/>
@@ -8621,6 +8770,38 @@
                   </a:txBody>
                   <a:tcPr/>
                 </a:tc>
+              </a:tr>
+              <a:tr h="370840">
+                <a:tc>
+                  <a:txBody>
+                    <a:bodyPr/>
+                    <a:lstStyle/>
+                    <a:p>
+                      <a:pPr algn="ctr"/>
+                      <a:r>
+                        <a:rPr lang="en-US" dirty="0" smtClean="0"/>
+                        <a:t>5</a:t>
+                      </a:r>
+                      <a:endParaRPr lang="en-US" dirty="0"/>
+                    </a:p>
+                  </a:txBody>
+                  <a:tcPr/>
+                </a:tc>
+                <a:tc>
+                  <a:txBody>
+                    <a:bodyPr/>
+                    <a:lstStyle/>
+                    <a:p>
+                      <a:pPr algn="ctr"/>
+                      <a:r>
+                        <a:rPr lang="en-US" dirty="0" smtClean="0"/>
+                        <a:t>A(8)</a:t>
+                      </a:r>
+                      <a:endParaRPr lang="en-US" dirty="0"/>
+                    </a:p>
+                  </a:txBody>
+                  <a:tcPr/>
+                </a:tc>
                 <a:tc>
                   <a:txBody>
                     <a:bodyPr/>
@@ -8653,6 +8834,52 @@
                     <a:bodyPr/>
                     <a:lstStyle/>
                     <a:p>
+                      <a:pPr algn="ctr"/>
+                      <a:r>
+                        <a:rPr lang="en-US" b="1" dirty="0" smtClean="0"/>
+                        <a:t>9/E</a:t>
+                      </a:r>
+                      <a:endParaRPr lang="en-US" b="1" dirty="0"/>
+                    </a:p>
+                  </a:txBody>
+                  <a:tcPr/>
+                </a:tc>
+                <a:tc>
+                  <a:txBody>
+                    <a:bodyPr/>
+                    <a:lstStyle/>
+                    <a:p>
+                      <a:pPr marL="0" marR="0" indent="0" algn="ctr" defTabSz="914400" rtl="0" eaLnBrk="1" fontAlgn="auto" latinLnBrk="0" hangingPunct="1">
+                        <a:lnSpc>
+                          <a:spcPct val="100000"/>
+                        </a:lnSpc>
+                        <a:spcBef>
+                          <a:spcPts val="0"/>
+                        </a:spcBef>
+                        <a:spcAft>
+                          <a:spcPts val="0"/>
+                        </a:spcAft>
+                        <a:buClrTx/>
+                        <a:buSzTx/>
+                        <a:buFontTx/>
+                        <a:buNone/>
+                        <a:tabLst/>
+                        <a:defRPr/>
+                      </a:pPr>
+                      <a:r>
+                        <a:rPr lang="en-US" dirty="0" smtClean="0"/>
+                        <a:t>9/D</a:t>
+                      </a:r>
+                      <a:endParaRPr lang="en-US" dirty="0" smtClean="0"/>
+                    </a:p>
+                  </a:txBody>
+                  <a:tcPr/>
+                </a:tc>
+                <a:tc>
+                  <a:txBody>
+                    <a:bodyPr/>
+                    <a:lstStyle/>
+                    <a:p>
                       <a:pPr marL="0" marR="0" indent="0" algn="ctr" defTabSz="914400" rtl="0" eaLnBrk="1" fontAlgn="auto" latinLnBrk="0" hangingPunct="1">
                         <a:lnSpc>
                           <a:spcPct val="100000"/>
@@ -8675,34 +8902,6 @@
                   </a:txBody>
                   <a:tcPr/>
                 </a:tc>
-              </a:tr>
-              <a:tr h="370840">
-                <a:tc>
-                  <a:txBody>
-                    <a:bodyPr/>
-                    <a:lstStyle/>
-                    <a:p>
-                      <a:pPr algn="ctr"/>
-                      <a:r>
-                        <a:rPr lang="en-US" dirty="0" smtClean="0"/>
-                        <a:t>5</a:t>
-                      </a:r>
-                      <a:endParaRPr lang="en-US" dirty="0"/>
-                    </a:p>
-                  </a:txBody>
-                  <a:tcPr/>
-                </a:tc>
-                <a:tc>
-                  <a:txBody>
-                    <a:bodyPr/>
-                    <a:lstStyle/>
-                    <a:p>
-                      <a:pPr algn="ctr"/>
-                      <a:endParaRPr lang="en-US" dirty="0"/>
-                    </a:p>
-                  </a:txBody>
-                  <a:tcPr/>
-                </a:tc>
                 <a:tc>
                   <a:txBody>
                     <a:bodyPr/>
@@ -8735,44 +8934,6 @@
                     <a:bodyPr/>
                     <a:lstStyle/>
                     <a:p>
-                      <a:pPr algn="ctr"/>
-                      <a:endParaRPr lang="en-US" b="1" dirty="0"/>
-                    </a:p>
-                  </a:txBody>
-                  <a:tcPr/>
-                </a:tc>
-                <a:tc>
-                  <a:txBody>
-                    <a:bodyPr/>
-                    <a:lstStyle/>
-                    <a:p>
-                      <a:pPr marL="0" marR="0" indent="0" algn="ctr" defTabSz="914400" rtl="0" eaLnBrk="1" fontAlgn="auto" latinLnBrk="0" hangingPunct="1">
-                        <a:lnSpc>
-                          <a:spcPct val="100000"/>
-                        </a:lnSpc>
-                        <a:spcBef>
-                          <a:spcPts val="0"/>
-                        </a:spcBef>
-                        <a:spcAft>
-                          <a:spcPts val="0"/>
-                        </a:spcAft>
-                        <a:buClrTx/>
-                        <a:buSzTx/>
-                        <a:buFontTx/>
-                        <a:buNone/>
-                        <a:tabLst/>
-                        <a:defRPr/>
-                      </a:pPr>
-                      <a:endParaRPr lang="en-US" dirty="0" smtClean="0"/>
-                    </a:p>
-                  </a:txBody>
-                  <a:tcPr/>
-                </a:tc>
-                <a:tc>
-                  <a:txBody>
-                    <a:bodyPr/>
-                    <a:lstStyle/>
-                    <a:p>
                       <a:pPr marL="0" marR="0" indent="0" algn="ctr" defTabSz="914400" rtl="0" eaLnBrk="1" fontAlgn="auto" latinLnBrk="0" hangingPunct="1">
                         <a:lnSpc>
                           <a:spcPct val="100000"/>
@@ -8822,6 +8983,38 @@
                   </a:txBody>
                   <a:tcPr/>
                 </a:tc>
+              </a:tr>
+              <a:tr h="370840">
+                <a:tc>
+                  <a:txBody>
+                    <a:bodyPr/>
+                    <a:lstStyle/>
+                    <a:p>
+                      <a:pPr algn="ctr"/>
+                      <a:r>
+                        <a:rPr lang="en-US" dirty="0" smtClean="0"/>
+                        <a:t>6</a:t>
+                      </a:r>
+                      <a:endParaRPr lang="en-US" dirty="0"/>
+                    </a:p>
+                  </a:txBody>
+                  <a:tcPr/>
+                </a:tc>
+                <a:tc>
+                  <a:txBody>
+                    <a:bodyPr/>
+                    <a:lstStyle/>
+                    <a:p>
+                      <a:pPr algn="ctr"/>
+                      <a:r>
+                        <a:rPr lang="en-US" dirty="0" smtClean="0"/>
+                        <a:t>B(9)</a:t>
+                      </a:r>
+                      <a:endParaRPr lang="en-US" dirty="0"/>
+                    </a:p>
+                  </a:txBody>
+                  <a:tcPr/>
+                </a:tc>
                 <a:tc>
                   <a:txBody>
                     <a:bodyPr/>
@@ -8854,6 +9047,48 @@
                     <a:bodyPr/>
                     <a:lstStyle/>
                     <a:p>
+                      <a:pPr algn="ctr"/>
+                      <a:endParaRPr lang="en-US" b="1" dirty="0"/>
+                    </a:p>
+                  </a:txBody>
+                  <a:tcPr/>
+                </a:tc>
+                <a:tc>
+                  <a:txBody>
+                    <a:bodyPr/>
+                    <a:lstStyle/>
+                    <a:p>
+                      <a:pPr marL="0" marR="0" indent="0" algn="ctr" defTabSz="914400" rtl="0" eaLnBrk="1" fontAlgn="auto" latinLnBrk="0" hangingPunct="1">
+                        <a:lnSpc>
+                          <a:spcPct val="100000"/>
+                        </a:lnSpc>
+                        <a:spcBef>
+                          <a:spcPts val="0"/>
+                        </a:spcBef>
+                        <a:spcAft>
+                          <a:spcPts val="0"/>
+                        </a:spcAft>
+                        <a:buClrTx/>
+                        <a:buSzTx/>
+                        <a:buFontTx/>
+                        <a:buNone/>
+                        <a:tabLst/>
+                        <a:defRPr/>
+                      </a:pPr>
+                      <a:r>
+                        <a:rPr lang="en-US" dirty="0" smtClean="0"/>
+                        <a:t>9/D</a:t>
+                      </a:r>
+                      <a:endParaRPr lang="en-US" dirty="0" smtClean="0"/>
+                    </a:p>
+                  </a:txBody>
+                  <a:tcPr/>
+                </a:tc>
+                <a:tc>
+                  <a:txBody>
+                    <a:bodyPr/>
+                    <a:lstStyle/>
+                    <a:p>
                       <a:pPr marL="0" marR="0" indent="0" algn="ctr" defTabSz="914400" rtl="0" eaLnBrk="1" fontAlgn="auto" latinLnBrk="0" hangingPunct="1">
                         <a:lnSpc>
                           <a:spcPct val="100000"/>
@@ -8876,34 +9111,6 @@
                   </a:txBody>
                   <a:tcPr/>
                 </a:tc>
-              </a:tr>
-              <a:tr h="370840">
-                <a:tc>
-                  <a:txBody>
-                    <a:bodyPr/>
-                    <a:lstStyle/>
-                    <a:p>
-                      <a:pPr algn="ctr"/>
-                      <a:r>
-                        <a:rPr lang="en-US" dirty="0" smtClean="0"/>
-                        <a:t>6</a:t>
-                      </a:r>
-                      <a:endParaRPr lang="en-US" dirty="0"/>
-                    </a:p>
-                  </a:txBody>
-                  <a:tcPr/>
-                </a:tc>
-                <a:tc>
-                  <a:txBody>
-                    <a:bodyPr/>
-                    <a:lstStyle/>
-                    <a:p>
-                      <a:pPr algn="ctr"/>
-                      <a:endParaRPr lang="en-US" dirty="0"/>
-                    </a:p>
-                  </a:txBody>
-                  <a:tcPr/>
-                </a:tc>
                 <a:tc>
                   <a:txBody>
                     <a:bodyPr/>
@@ -8936,44 +9143,6 @@
                     <a:bodyPr/>
                     <a:lstStyle/>
                     <a:p>
-                      <a:pPr algn="ctr"/>
-                      <a:endParaRPr lang="en-US" b="1" dirty="0"/>
-                    </a:p>
-                  </a:txBody>
-                  <a:tcPr/>
-                </a:tc>
-                <a:tc>
-                  <a:txBody>
-                    <a:bodyPr/>
-                    <a:lstStyle/>
-                    <a:p>
-                      <a:pPr marL="0" marR="0" indent="0" algn="ctr" defTabSz="914400" rtl="0" eaLnBrk="1" fontAlgn="auto" latinLnBrk="0" hangingPunct="1">
-                        <a:lnSpc>
-                          <a:spcPct val="100000"/>
-                        </a:lnSpc>
-                        <a:spcBef>
-                          <a:spcPts val="0"/>
-                        </a:spcBef>
-                        <a:spcAft>
-                          <a:spcPts val="0"/>
-                        </a:spcAft>
-                        <a:buClrTx/>
-                        <a:buSzTx/>
-                        <a:buFontTx/>
-                        <a:buNone/>
-                        <a:tabLst/>
-                        <a:defRPr/>
-                      </a:pPr>
-                      <a:endParaRPr lang="en-US" dirty="0" smtClean="0"/>
-                    </a:p>
-                  </a:txBody>
-                  <a:tcPr/>
-                </a:tc>
-                <a:tc>
-                  <a:txBody>
-                    <a:bodyPr/>
-                    <a:lstStyle/>
-                    <a:p>
                       <a:pPr marL="0" marR="0" indent="0" algn="ctr" defTabSz="914400" rtl="0" eaLnBrk="1" fontAlgn="auto" latinLnBrk="0" hangingPunct="1">
                         <a:lnSpc>
                           <a:spcPct val="100000"/>
@@ -9023,60 +9192,6 @@
                   </a:txBody>
                   <a:tcPr/>
                 </a:tc>
-                <a:tc>
-                  <a:txBody>
-                    <a:bodyPr/>
-                    <a:lstStyle/>
-                    <a:p>
-                      <a:pPr marL="0" marR="0" indent="0" algn="ctr" defTabSz="914400" rtl="0" eaLnBrk="1" fontAlgn="auto" latinLnBrk="0" hangingPunct="1">
-                        <a:lnSpc>
-                          <a:spcPct val="100000"/>
-                        </a:lnSpc>
-                        <a:spcBef>
-                          <a:spcPts val="0"/>
-                        </a:spcBef>
-                        <a:spcAft>
-                          <a:spcPts val="0"/>
-                        </a:spcAft>
-                        <a:buClrTx/>
-                        <a:buSzTx/>
-                        <a:buFontTx/>
-                        <a:buNone/>
-                        <a:tabLst/>
-                        <a:defRPr/>
-                      </a:pPr>
-                      <a:endParaRPr lang="en-US" b="1" dirty="0" smtClean="0"/>
-                    </a:p>
-                  </a:txBody>
-                  <a:tcPr/>
-                </a:tc>
-                <a:tc>
-                  <a:txBody>
-                    <a:bodyPr/>
-                    <a:lstStyle/>
-                    <a:p>
-                      <a:pPr marL="0" marR="0" indent="0" algn="ctr" defTabSz="914400" rtl="0" eaLnBrk="1" fontAlgn="auto" latinLnBrk="0" hangingPunct="1">
-                        <a:lnSpc>
-                          <a:spcPct val="100000"/>
-                        </a:lnSpc>
-                        <a:spcBef>
-                          <a:spcPts val="0"/>
-                        </a:spcBef>
-                        <a:spcAft>
-                          <a:spcPts val="0"/>
-                        </a:spcAft>
-                        <a:buClrTx/>
-                        <a:buSzTx/>
-                        <a:buFontTx/>
-                        <a:buNone/>
-                        <a:tabLst/>
-                        <a:defRPr/>
-                      </a:pPr>
-                      <a:endParaRPr lang="en-US" b="1" dirty="0" smtClean="0"/>
-                    </a:p>
-                  </a:txBody>
-                  <a:tcPr/>
-                </a:tc>
               </a:tr>
               <a:tr h="370840">
                 <a:tc>
@@ -9100,6 +9215,10 @@
                     <a:lstStyle/>
                     <a:p>
                       <a:pPr algn="ctr"/>
+                      <a:r>
+                        <a:rPr lang="en-US" dirty="0" smtClean="0"/>
+                        <a:t>D</a:t>
+                      </a:r>
                       <a:endParaRPr lang="en-US" dirty="0"/>
                     </a:p>
                   </a:txBody>
@@ -11750,14 +11869,14 @@
           <p:nvPr>
             <p:extLst>
               <p:ext uri="{D42A27DB-BD31-4B8C-83A1-F6EECF244321}">
-                <p14:modId xmlns:p14="http://schemas.microsoft.com/office/powerpoint/2010/main" val="1168371407"/>
+                <p14:modId xmlns:p14="http://schemas.microsoft.com/office/powerpoint/2010/main" val="2311426680"/>
               </p:ext>
             </p:extLst>
           </p:nvPr>
         </p:nvGraphicFramePr>
         <p:xfrm>
           <a:off x="179512" y="2564904"/>
-          <a:ext cx="8708904" cy="3606800"/>
+          <a:ext cx="8708904" cy="3665200"/>
         </p:xfrm>
         <a:graphic>
           <a:graphicData uri="http://schemas.openxmlformats.org/drawingml/2006/table">
@@ -12145,7 +12264,7 @@
                   <a:tcPr/>
                 </a:tc>
               </a:tr>
-              <a:tr h="370840">
+              <a:tr h="429240">
                 <a:tc>
                   <a:txBody>
                     <a:bodyPr/>
@@ -12169,7 +12288,7 @@
                       <a:pPr algn="ctr"/>
                       <a:r>
                         <a:rPr lang="en-US" dirty="0" smtClean="0"/>
-                        <a:t> </a:t>
+                        <a:t>a </a:t>
                       </a:r>
                       <a:endParaRPr lang="en-US" dirty="0"/>
                     </a:p>
@@ -12209,7 +12328,73 @@
                     <a:lstStyle/>
                     <a:p>
                       <a:pPr algn="ctr"/>
+                      <a:r>
+                        <a:rPr lang="en-US" b="0" dirty="0" smtClean="0"/>
+                        <a:t>2a</a:t>
+                      </a:r>
                       <a:endParaRPr lang="en-US" b="0" dirty="0"/>
+                    </a:p>
+                  </a:txBody>
+                  <a:tcPr/>
+                </a:tc>
+                <a:tc>
+                  <a:txBody>
+                    <a:bodyPr/>
+                    <a:lstStyle/>
+                    <a:p>
+                      <a:pPr marL="0" marR="0" indent="0" algn="ctr" defTabSz="914400" rtl="0" eaLnBrk="1" fontAlgn="auto" latinLnBrk="0" hangingPunct="1">
+                        <a:lnSpc>
+                          <a:spcPct val="100000"/>
+                        </a:lnSpc>
+                        <a:spcBef>
+                          <a:spcPts val="0"/>
+                        </a:spcBef>
+                        <a:spcAft>
+                          <a:spcPts val="0"/>
+                        </a:spcAft>
+                        <a:buClrTx/>
+                        <a:buSzTx/>
+                        <a:buFontTx/>
+                        <a:buNone/>
+                        <a:tabLst/>
+                        <a:defRPr/>
+                      </a:pPr>
+                      <a:r>
+                        <a:rPr lang="en-US" b="0" dirty="0" smtClean="0"/>
+                        <a:t>4a</a:t>
+                      </a:r>
+                      <a:endParaRPr lang="en-US" b="0" dirty="0" smtClean="0"/>
+                    </a:p>
+                  </a:txBody>
+                  <a:tcPr/>
+                </a:tc>
+                <a:tc>
+                  <a:txBody>
+                    <a:bodyPr/>
+                    <a:lstStyle/>
+                    <a:p>
+                      <a:pPr marL="0" marR="0" indent="0" algn="ctr" defTabSz="914400" rtl="0" eaLnBrk="1" fontAlgn="auto" latinLnBrk="0" hangingPunct="1">
+                        <a:lnSpc>
+                          <a:spcPct val="100000"/>
+                        </a:lnSpc>
+                        <a:spcBef>
+                          <a:spcPts val="0"/>
+                        </a:spcBef>
+                        <a:spcAft>
+                          <a:spcPts val="0"/>
+                        </a:spcAft>
+                        <a:buClrTx/>
+                        <a:buSzTx/>
+                        <a:buFontTx/>
+                        <a:buNone/>
+                        <a:tabLst/>
+                        <a:defRPr/>
+                      </a:pPr>
+                      <a:r>
+                        <a:rPr lang="en-US" b="0" dirty="0" smtClean="0"/>
+                        <a:t>1d</a:t>
+                      </a:r>
+                      <a:endParaRPr lang="en-US" b="0" dirty="0" smtClean="0"/>
                     </a:p>
                   </a:txBody>
                   <a:tcPr/>
@@ -12295,60 +12480,6 @@
                   </a:txBody>
                   <a:tcPr/>
                 </a:tc>
-                <a:tc>
-                  <a:txBody>
-                    <a:bodyPr/>
-                    <a:lstStyle/>
-                    <a:p>
-                      <a:pPr marL="0" marR="0" indent="0" algn="ctr" defTabSz="914400" rtl="0" eaLnBrk="1" fontAlgn="auto" latinLnBrk="0" hangingPunct="1">
-                        <a:lnSpc>
-                          <a:spcPct val="100000"/>
-                        </a:lnSpc>
-                        <a:spcBef>
-                          <a:spcPts val="0"/>
-                        </a:spcBef>
-                        <a:spcAft>
-                          <a:spcPts val="0"/>
-                        </a:spcAft>
-                        <a:buClrTx/>
-                        <a:buSzTx/>
-                        <a:buFontTx/>
-                        <a:buNone/>
-                        <a:tabLst/>
-                        <a:defRPr/>
-                      </a:pPr>
-                      <a:endParaRPr lang="en-US" b="0" dirty="0" smtClean="0"/>
-                    </a:p>
-                  </a:txBody>
-                  <a:tcPr/>
-                </a:tc>
-                <a:tc>
-                  <a:txBody>
-                    <a:bodyPr/>
-                    <a:lstStyle/>
-                    <a:p>
-                      <a:pPr marL="0" marR="0" indent="0" algn="ctr" defTabSz="914400" rtl="0" eaLnBrk="1" fontAlgn="auto" latinLnBrk="0" hangingPunct="1">
-                        <a:lnSpc>
-                          <a:spcPct val="100000"/>
-                        </a:lnSpc>
-                        <a:spcBef>
-                          <a:spcPts val="0"/>
-                        </a:spcBef>
-                        <a:spcAft>
-                          <a:spcPts val="0"/>
-                        </a:spcAft>
-                        <a:buClrTx/>
-                        <a:buSzTx/>
-                        <a:buFontTx/>
-                        <a:buNone/>
-                        <a:tabLst/>
-                        <a:defRPr/>
-                      </a:pPr>
-                      <a:endParaRPr lang="en-US" b="0" dirty="0" smtClean="0"/>
-                    </a:p>
-                  </a:txBody>
-                  <a:tcPr/>
-                </a:tc>
               </a:tr>
               <a:tr h="370840">
                 <a:tc>
@@ -12372,6 +12503,10 @@
                     <a:lstStyle/>
                     <a:p>
                       <a:pPr algn="ctr"/>
+                      <a:r>
+                        <a:rPr lang="en-US" dirty="0" smtClean="0"/>
+                        <a:t>d</a:t>
+                      </a:r>
                       <a:endParaRPr lang="en-US" dirty="0"/>
                     </a:p>
                   </a:txBody>
@@ -12437,6 +12572,10 @@
                         <a:tabLst/>
                         <a:defRPr/>
                       </a:pPr>
+                      <a:r>
+                        <a:rPr lang="en-US" dirty="0" smtClean="0"/>
+                        <a:t>2d</a:t>
+                      </a:r>
                       <a:endParaRPr lang="en-US" dirty="0" smtClean="0"/>
                     </a:p>
                   </a:txBody>
@@ -13780,14 +13919,41 @@
           <a:lstStyle/>
           <a:p>
             <a:r>
-              <a:rPr lang="en-US" dirty="0" err="1" smtClean="0"/>
+              <a:rPr lang="en-US" sz="2000" dirty="0" err="1" smtClean="0">
+                <a:latin typeface="Copperplate Gothic Light"/>
+                <a:cs typeface="Copperplate Gothic Light"/>
+              </a:rPr>
               <a:t>DfsExplore</a:t>
             </a:r>
             <a:r>
-              <a:rPr lang="en-US" dirty="0" smtClean="0"/>
-              <a:t>(1)</a:t>
-            </a:r>
-            <a:endParaRPr lang="en-US" dirty="0"/>
+              <a:rPr lang="en-US" sz="2000" dirty="0" smtClean="0">
+                <a:latin typeface="Copperplate Gothic Light"/>
+                <a:cs typeface="Copperplate Gothic Light"/>
+              </a:rPr>
+              <a:t>(1</a:t>
+            </a:r>
+            <a:r>
+              <a:rPr lang="en-US" sz="2000" dirty="0" smtClean="0">
+                <a:latin typeface="Copperplate Gothic Light"/>
+                <a:cs typeface="Copperplate Gothic Light"/>
+              </a:rPr>
+              <a:t>)</a:t>
+            </a:r>
+            <a:r>
+              <a:rPr lang="en-US" sz="2000" dirty="0" smtClean="0"/>
+              <a:t>: explore a connected component from node </a:t>
+            </a:r>
+            <a:r>
+              <a:rPr lang="en-US" sz="2000" dirty="0" smtClean="0">
+                <a:latin typeface="Copperplate Gothic Light"/>
+                <a:cs typeface="Copperplate Gothic Light"/>
+              </a:rPr>
+              <a:t>1</a:t>
+            </a:r>
+            <a:endParaRPr lang="en-US" sz="2000" dirty="0">
+              <a:latin typeface="Copperplate Gothic Light"/>
+              <a:cs typeface="Copperplate Gothic Light"/>
+            </a:endParaRPr>
           </a:p>
         </p:txBody>
       </p:sp>
@@ -13891,7 +14057,7 @@
         </p:blipFill>
         <p:spPr>
           <a:xfrm>
-            <a:off x="3266903" y="1021066"/>
+            <a:off x="3591915" y="1042992"/>
             <a:ext cx="5877097" cy="3616668"/>
           </a:xfrm>
           <a:prstGeom prst="rect">
@@ -20959,8 +21125,15 @@
           <a:lstStyle/>
           <a:p>
             <a:r>
+              <a:rPr lang="en-US" sz="2400" dirty="0" smtClean="0">
+                <a:latin typeface="Copperplate Gothic Light"/>
+                <a:cs typeface="Copperplate Gothic Light"/>
+              </a:rPr>
+              <a:t>DFS</a:t>
+            </a:r>
+            <a:r>
               <a:rPr lang="en-US" sz="2400" dirty="0" smtClean="0"/>
-              <a:t>DFS </a:t>
+              <a:t>: explore a whole (multi-component) graph  </a:t>
             </a:r>
             <a:endParaRPr lang="en-US" sz="2400" dirty="0"/>
           </a:p>
@@ -21121,6 +21294,85 @@
           </a:prstGeom>
         </p:spPr>
       </p:pic>
+      <p:sp>
+        <p:nvSpPr>
+          <p:cNvPr id="3" name="TextBox 2"/>
+          <p:cNvSpPr txBox="1"/>
+          <p:nvPr/>
+        </p:nvSpPr>
+        <p:spPr>
+          <a:xfrm>
+            <a:off x="4671537" y="4521061"/>
+            <a:ext cx="4020677" cy="1754327"/>
+          </a:xfrm>
+          <a:prstGeom prst="rect">
+            <a:avLst/>
+          </a:prstGeom>
+          <a:noFill/>
+        </p:spPr>
+        <p:txBody>
+          <a:bodyPr wrap="none" rtlCol="0">
+            <a:spAutoFit/>
+          </a:bodyPr>
+          <a:lstStyle/>
+          <a:p>
+            <a:r>
+              <a:rPr lang="en-US" sz="1800" dirty="0" smtClean="0"/>
+              <a:t>Using DFS how can we discover that:</a:t>
+            </a:r>
+          </a:p>
+          <a:p>
+            <a:pPr marL="285750" indent="-285750">
+              <a:buFontTx/>
+              <a:buChar char="-"/>
+            </a:pPr>
+            <a:r>
+              <a:rPr lang="en-US" sz="1800" dirty="0" smtClean="0"/>
+              <a:t>this graph has 3 components?</a:t>
+            </a:r>
+          </a:p>
+          <a:p>
+            <a:pPr marL="285750" indent="-285750">
+              <a:buFontTx/>
+              <a:buChar char="-"/>
+            </a:pPr>
+            <a:r>
+              <a:rPr lang="en-US" sz="1800" dirty="0" smtClean="0"/>
+              <a:t>this graph is cyclic?</a:t>
+            </a:r>
+          </a:p>
+          <a:p>
+            <a:endParaRPr lang="en-US" sz="1800" dirty="0"/>
+          </a:p>
+          <a:p>
+            <a:r>
+              <a:rPr lang="en-US" sz="1800" dirty="0" smtClean="0"/>
+              <a:t>Using </a:t>
+            </a:r>
+            <a:r>
+              <a:rPr lang="en-US" sz="1800" dirty="0" err="1" smtClean="0"/>
+              <a:t>DfsExplore</a:t>
+            </a:r>
+            <a:r>
+              <a:rPr lang="en-US" sz="1800" dirty="0" smtClean="0"/>
+              <a:t>, how can we list all</a:t>
+            </a:r>
+          </a:p>
+          <a:p>
+            <a:r>
+              <a:rPr lang="en-US" sz="1800" dirty="0" smtClean="0"/>
+              <a:t>possible paths from 1 </a:t>
+            </a:r>
+            <a:r>
+              <a:rPr lang="en-US" sz="1800" dirty="0" smtClean="0">
+                <a:sym typeface="Wingdings"/>
+              </a:rPr>
+              <a:t> 2 ?</a:t>
+            </a:r>
+            <a:endParaRPr lang="en-US" sz="1800" dirty="0"/>
+          </a:p>
+        </p:txBody>
+      </p:sp>
     </p:spTree>
     <p:extLst>
       <p:ext uri="{BB962C8B-B14F-4D97-AF65-F5344CB8AC3E}">
@@ -26879,14 +27131,42 @@
           <a:p>
             <a:pPr algn="l"/>
             <a:r>
-              <a:rPr lang="en-US" sz="2400" dirty="0" err="1" smtClean="0"/>
+              <a:rPr lang="en-US" sz="2000" dirty="0" err="1" smtClean="0">
+                <a:latin typeface="Copperplate Gothic Light"/>
+                <a:cs typeface="Copperplate Gothic Light"/>
+              </a:rPr>
               <a:t>BfsExplore</a:t>
             </a:r>
             <a:r>
-              <a:rPr lang="en-US" sz="2400" dirty="0" smtClean="0"/>
-              <a:t>(0)</a:t>
-            </a:r>
-            <a:endParaRPr lang="en-US" sz="2400" dirty="0"/>
+              <a:rPr lang="en-US" sz="2000" dirty="0" smtClean="0">
+                <a:latin typeface="Copperplate Gothic Light"/>
+                <a:cs typeface="Copperplate Gothic Light"/>
+              </a:rPr>
+              <a:t>(0</a:t>
+            </a:r>
+            <a:r>
+              <a:rPr lang="en-US" sz="2000" dirty="0" smtClean="0">
+                <a:latin typeface="Copperplate Gothic Light"/>
+                <a:cs typeface="Copperplate Gothic Light"/>
+              </a:rPr>
+              <a:t>)</a:t>
+            </a:r>
+            <a:r>
+              <a:rPr lang="en-US" sz="2000" dirty="0" smtClean="0"/>
+              <a:t>: explore a component from node </a:t>
+            </a:r>
+            <a:r>
+              <a:rPr lang="en-US" sz="2000" dirty="0" smtClean="0">
+                <a:latin typeface="Copperplate Gothic Light"/>
+                <a:cs typeface="Copperplate Gothic Light"/>
+              </a:rPr>
+              <a:t>0</a:t>
+            </a:r>
+            <a:r>
+              <a:rPr lang="en-US" sz="2000" dirty="0" smtClean="0"/>
+              <a:t>, in BFS manner</a:t>
+            </a:r>
+            <a:endParaRPr lang="en-US" sz="2000" dirty="0"/>
           </a:p>
         </p:txBody>
       </p:sp>
@@ -27983,7 +28263,7 @@
           <p:nvPr>
             <p:extLst>
               <p:ext uri="{D42A27DB-BD31-4B8C-83A1-F6EECF244321}">
-                <p14:modId xmlns:p14="http://schemas.microsoft.com/office/powerpoint/2010/main" val="3986752159"/>
+                <p14:modId xmlns:p14="http://schemas.microsoft.com/office/powerpoint/2010/main" val="311440706"/>
               </p:ext>
             </p:extLst>
           </p:nvPr>
@@ -28063,8 +28343,17 @@
                         <a:rPr lang="en-US" sz="2000" b="1" baseline="0" dirty="0" smtClean="0">
                           <a:effectLst/>
                         </a:rPr>
-                        <a:t> A </a:t>
-                      </a:r>
+                        <a:t> </a:t>
+                      </a:r>
+                      <a:r>
+                        <a:rPr lang="en-US" sz="2000" b="1" baseline="0" dirty="0" smtClean="0">
+                          <a:effectLst/>
+                        </a:rPr>
+                        <a:t>A </a:t>
+                      </a:r>
+                      <a:endParaRPr lang="en-US" sz="2000" b="1" baseline="0" dirty="0" smtClean="0">
+                        <a:effectLst/>
+                      </a:endParaRPr>
                     </a:p>
                     <a:p>
                       <a:pPr marL="0" indent="0">
@@ -28087,7 +28376,19 @@
                         <a:rPr lang="en-US" sz="2000" b="0" baseline="0" dirty="0" smtClean="0">
                           <a:effectLst/>
                         </a:rPr>
-                        <a:t>b) The order of the nodes visited by DFS is:</a:t>
+                        <a:t>b) The order of the nodes visited by </a:t>
+                      </a:r>
+                      <a:r>
+                        <a:rPr lang="en-US" sz="2000" b="0" baseline="0" dirty="0" smtClean="0">
+                          <a:effectLst/>
+                        </a:rPr>
+                        <a:t>BFS </a:t>
+                      </a:r>
+                      <a:r>
+                        <a:rPr lang="en-US" sz="2000" b="0" baseline="0" dirty="0" smtClean="0">
+                          <a:effectLst/>
+                        </a:rPr>
+                        <a:t>is:</a:t>
                       </a:r>
                     </a:p>
                     <a:p>
@@ -28111,8 +28412,17 @@
                         <a:rPr lang="en-US" sz="2000" b="1" baseline="0" dirty="0" smtClean="0">
                           <a:effectLst/>
                         </a:rPr>
-                        <a:t>   A </a:t>
-                      </a:r>
+                        <a:t>   </a:t>
+                      </a:r>
+                      <a:r>
+                        <a:rPr lang="en-US" sz="2000" b="1" baseline="0" dirty="0" smtClean="0">
+                          <a:effectLst/>
+                        </a:rPr>
+                        <a:t>A</a:t>
+                      </a:r>
+                      <a:endParaRPr lang="en-US" sz="2000" b="1" baseline="0" dirty="0" smtClean="0">
+                        <a:effectLst/>
+                      </a:endParaRPr>
                     </a:p>
                     <a:p>
                       <a:pPr marL="0" indent="0">
@@ -28294,7 +28604,7 @@
         </p:blipFill>
         <p:spPr>
           <a:xfrm>
-            <a:off x="5004048" y="2790220"/>
+            <a:off x="4822417" y="2790220"/>
             <a:ext cx="4321583" cy="3359049"/>
           </a:xfrm>
           <a:prstGeom prst="rect">
@@ -30308,7 +30618,7 @@
         </p:blipFill>
         <p:spPr>
           <a:xfrm>
-            <a:off x="827584" y="1916832"/>
+            <a:off x="827584" y="1988840"/>
             <a:ext cx="5498794" cy="3024336"/>
           </a:xfrm>
           <a:prstGeom prst="rect">
